--- a/ppt/1강 - 복사본.pptx
+++ b/ppt/1강 - 복사본.pptx
@@ -4154,12 +4154,7 @@
             <p:ph type="title"/>
           </p:nvPr>
         </p:nvSpPr>
-        <p:spPr>
-          <a:xfrm>
-            <a:off x="1" y="941393"/>
-            <a:ext cx="2049516" cy="759247"/>
-          </a:xfrm>
-        </p:spPr>
+        <p:spPr/>
         <p:txBody>
           <a:bodyPr/>
           <a:lstStyle/>
